--- a/slides/ppt/02_OOP_Basics.pptx
+++ b/slides/ppt/02_OOP_Basics.pptx
@@ -82,7 +82,7 @@
     <p:sldId id="352" r:id="rId73"/>
     <p:sldId id="353" r:id="rId74"/>
     <p:sldId id="355" r:id="rId75"/>
-    <p:sldId id="360" r:id="rId76"/>
+    <p:sldId id="404" r:id="rId76"/>
     <p:sldId id="288" r:id="rId77"/>
     <p:sldId id="340" r:id="rId78"/>
     <p:sldId id="341" r:id="rId79"/>
@@ -304,7 +304,7 @@
             <a:fld id="{BAEB7694-8561-4BE2-948D-EDF7A201F8BB}" type="datetimeFigureOut">
               <a:rPr lang="it-IT" smtClean="0"/>
               <a:pPr/>
-              <a:t>01/03/20</a:t>
+              <a:t>02/03/20</a:t>
             </a:fld>
             <a:endParaRPr lang="it-IT"/>
           </a:p>
@@ -21768,20 +21768,10 @@
                   </a:schemeClr>
                 </a:solidFill>
               </a:rPr>
-              <a:t>Represent properties (attributes) and behaviors (methods) which are common to all instances of an object </a:t>
-            </a:r>
-          </a:p>
-          <a:p>
-            <a:r>
-              <a:rPr lang="en-US" sz="2800" dirty="0"/>
-              <a:t>They exist even when no object has been instantiated!</a:t>
-            </a:r>
-          </a:p>
-          <a:p>
-            <a:r>
-              <a:rPr lang="en-US" sz="2800" dirty="0"/>
-              <a:t>They are defined with the </a:t>
-            </a:r>
+              <a:t>Static attributes and methods are common to all instances of an object </a:t>
+            </a:r>
+          </a:p>
+          <a:p>
             <a:r>
               <a:rPr lang="en-US" sz="2800" dirty="0">
                 <a:solidFill>
@@ -21790,11 +21780,7 @@
                   </a:schemeClr>
                 </a:solidFill>
               </a:rPr>
-              <a:t>static</a:t>
-            </a:r>
-            <a:r>
-              <a:rPr lang="en-US" sz="2800" dirty="0"/>
-              <a:t> modifier </a:t>
+              <a:t>They exist even when no object has been instantiated!</a:t>
             </a:r>
           </a:p>
           <a:p>
@@ -21806,6 +21792,99 @@
               <a:rPr lang="en-US" sz="2800" i="1" dirty="0" err="1"/>
               <a:t>ClassName.attributename|methodname</a:t>
             </a:r>
+            <a:endParaRPr lang="en-US" sz="2800" i="1" dirty="0"/>
+          </a:p>
+          <a:p>
+            <a:pPr marL="0" indent="0">
+              <a:buNone/>
+            </a:pPr>
+            <a:endParaRPr lang="en-US" sz="2000" dirty="0">
+              <a:latin typeface="Consolas" panose="020B0609020204030204" pitchFamily="49" charset="0"/>
+              <a:cs typeface="Consolas" panose="020B0609020204030204" pitchFamily="49" charset="0"/>
+            </a:endParaRPr>
+          </a:p>
+          <a:p>
+            <a:pPr marL="0" indent="0">
+              <a:buNone/>
+            </a:pPr>
+            <a:r>
+              <a:rPr lang="en-US" sz="2000" dirty="0">
+                <a:latin typeface="Consolas" panose="020B0609020204030204" pitchFamily="49" charset="0"/>
+                <a:cs typeface="Consolas" panose="020B0609020204030204" pitchFamily="49" charset="0"/>
+              </a:rPr>
+              <a:t>public class App {</a:t>
+            </a:r>
+          </a:p>
+          <a:p>
+            <a:pPr marL="0" indent="0">
+              <a:buNone/>
+            </a:pPr>
+            <a:r>
+              <a:rPr lang="en-US" sz="2000" dirty="0">
+                <a:latin typeface="Consolas" panose="020B0609020204030204" pitchFamily="49" charset="0"/>
+                <a:cs typeface="Consolas" panose="020B0609020204030204" pitchFamily="49" charset="0"/>
+              </a:rPr>
+              <a:t>  public </a:t>
+            </a:r>
+            <a:r>
+              <a:rPr lang="en-US" sz="2000" dirty="0">
+                <a:solidFill>
+                  <a:schemeClr val="accent6">
+                    <a:lumMod val="75000"/>
+                  </a:schemeClr>
+                </a:solidFill>
+                <a:latin typeface="Consolas" panose="020B0609020204030204" pitchFamily="49" charset="0"/>
+                <a:cs typeface="Consolas" panose="020B0609020204030204" pitchFamily="49" charset="0"/>
+              </a:rPr>
+              <a:t>static</a:t>
+            </a:r>
+            <a:r>
+              <a:rPr lang="en-US" sz="2000" dirty="0">
+                <a:latin typeface="Consolas" panose="020B0609020204030204" pitchFamily="49" charset="0"/>
+                <a:cs typeface="Consolas" panose="020B0609020204030204" pitchFamily="49" charset="0"/>
+              </a:rPr>
+              <a:t> void main(String[] </a:t>
+            </a:r>
+            <a:r>
+              <a:rPr lang="en-US" sz="2000" dirty="0" err="1">
+                <a:latin typeface="Consolas" panose="020B0609020204030204" pitchFamily="49" charset="0"/>
+                <a:cs typeface="Consolas" panose="020B0609020204030204" pitchFamily="49" charset="0"/>
+              </a:rPr>
+              <a:t>args</a:t>
+            </a:r>
+            <a:r>
+              <a:rPr lang="en-US" sz="2000" dirty="0">
+                <a:latin typeface="Consolas" panose="020B0609020204030204" pitchFamily="49" charset="0"/>
+                <a:cs typeface="Consolas" panose="020B0609020204030204" pitchFamily="49" charset="0"/>
+              </a:rPr>
+              <a:t>) {</a:t>
+            </a:r>
+          </a:p>
+          <a:p>
+            <a:pPr marL="0" indent="0">
+              <a:buNone/>
+            </a:pPr>
+            <a:r>
+              <a:rPr lang="en-US" sz="2000" dirty="0">
+                <a:latin typeface="Consolas" panose="020B0609020204030204" pitchFamily="49" charset="0"/>
+                <a:cs typeface="Consolas" panose="020B0609020204030204" pitchFamily="49" charset="0"/>
+              </a:rPr>
+              <a:t>  }</a:t>
+            </a:r>
+          </a:p>
+          <a:p>
+            <a:pPr marL="0" indent="0">
+              <a:buNone/>
+            </a:pPr>
+            <a:r>
+              <a:rPr lang="en-US" sz="2000" dirty="0">
+                <a:latin typeface="Consolas" panose="020B0609020204030204" pitchFamily="49" charset="0"/>
+                <a:cs typeface="Consolas" panose="020B0609020204030204" pitchFamily="49" charset="0"/>
+              </a:rPr>
+              <a:t>}</a:t>
+            </a:r>
+          </a:p>
+          <a:p>
             <a:endParaRPr lang="en-US" sz="2800" i="1" dirty="0"/>
           </a:p>
           <a:p>
@@ -22623,7 +22702,7 @@
         <p:spPr/>
         <p:txBody>
           <a:bodyPr>
-            <a:normAutofit fontScale="92500" lnSpcReduction="20000"/>
+            <a:normAutofit/>
           </a:bodyPr>
           <a:lstStyle/>
           <a:p>
@@ -22672,30 +22751,22 @@
           </a:p>
           <a:p>
             <a:r>
-              <a:rPr lang="en-US" dirty="0">
-                <a:solidFill>
-                  <a:srgbClr val="E46C0A"/>
-                </a:solidFill>
-              </a:rPr>
-              <a:t>Constructors (e.g., new Integer(5)) have been deprecated since Java 9</a:t>
-            </a:r>
-          </a:p>
-          <a:p>
-            <a:r>
               <a:rPr lang="en-US" dirty="0"/>
               <a:t>They provide </a:t>
             </a:r>
             <a:r>
               <a:rPr lang="en-US" dirty="0">
                 <a:solidFill>
-                  <a:srgbClr val="E46C0A"/>
-                </a:solidFill>
-              </a:rPr>
-              <a:t>conversion </a:t>
+                  <a:schemeClr val="accent6">
+                    <a:lumMod val="75000"/>
+                  </a:schemeClr>
+                </a:solidFill>
+              </a:rPr>
+              <a:t>conversion operations </a:t>
             </a:r>
             <a:r>
               <a:rPr lang="en-US" dirty="0"/>
-              <a:t>operations among Strings, Objects, and primitive types</a:t>
+              <a:t>among Strings, Objects, and primitive types</a:t>
             </a:r>
           </a:p>
         </p:txBody>
@@ -22877,36 +22948,6 @@
           </a:p>
         </p:txBody>
       </p:sp>
-      <p:pic>
-        <p:nvPicPr>
-          <p:cNvPr id="5" name="Content Placeholder 4" descr="Screen Shot 2016-03-09 at 16.43.28.png"/>
-          <p:cNvPicPr>
-            <a:picLocks noGrp="1" noChangeAspect="1"/>
-          </p:cNvPicPr>
-          <p:nvPr>
-            <p:ph idx="1"/>
-          </p:nvPr>
-        </p:nvPicPr>
-        <p:blipFill>
-          <a:blip r:embed="rId2">
-            <a:extLst>
-              <a:ext uri="{28A0092B-C50C-407E-A947-70E740481C1C}">
-                <a14:useLocalDpi xmlns:a14="http://schemas.microsoft.com/office/drawing/2010/main" val="0"/>
-              </a:ext>
-            </a:extLst>
-          </a:blip>
-          <a:srcRect l="-957" r="-957"/>
-          <a:stretch>
-            <a:fillRect/>
-          </a:stretch>
-        </p:blipFill>
-        <p:spPr>
-          <a:xfrm>
-            <a:off x="1249288" y="1600200"/>
-            <a:ext cx="7283152" cy="4005453"/>
-          </a:xfrm>
-        </p:spPr>
-      </p:pic>
       <p:sp>
         <p:nvSpPr>
           <p:cNvPr id="4" name="Slide Number Placeholder 3"/>
@@ -22928,6 +22969,774 @@
               <a:t>73</a:t>
             </a:fld>
             <a:endParaRPr lang="it-IT" dirty="0"/>
+          </a:p>
+        </p:txBody>
+      </p:sp>
+      <p:sp>
+        <p:nvSpPr>
+          <p:cNvPr id="7" name="Rounded Rectangle 6">
+            <a:extLst>
+              <a:ext uri="{FF2B5EF4-FFF2-40B4-BE49-F238E27FC236}">
+                <a16:creationId xmlns:a16="http://schemas.microsoft.com/office/drawing/2014/main" id="{BFF1A69D-22F5-0443-8E22-EDB28B597A05}"/>
+              </a:ext>
+            </a:extLst>
+          </p:cNvPr>
+          <p:cNvSpPr/>
+          <p:nvPr/>
+        </p:nvSpPr>
+        <p:spPr>
+          <a:xfrm>
+            <a:off x="1082096" y="5157192"/>
+            <a:ext cx="1368152" cy="720080"/>
+          </a:xfrm>
+          <a:prstGeom prst="roundRect">
+            <a:avLst/>
+          </a:prstGeom>
+        </p:spPr>
+        <p:style>
+          <a:lnRef idx="1">
+            <a:schemeClr val="accent1"/>
+          </a:lnRef>
+          <a:fillRef idx="3">
+            <a:schemeClr val="accent1"/>
+          </a:fillRef>
+          <a:effectRef idx="2">
+            <a:schemeClr val="accent1"/>
+          </a:effectRef>
+          <a:fontRef idx="minor">
+            <a:schemeClr val="lt1"/>
+          </a:fontRef>
+        </p:style>
+        <p:txBody>
+          <a:bodyPr rtlCol="0" anchor="ctr"/>
+          <a:lstStyle/>
+          <a:p>
+            <a:pPr algn="ctr"/>
+            <a:r>
+              <a:rPr lang="en-GB" dirty="0" err="1"/>
+              <a:t>int</a:t>
+            </a:r>
+            <a:endParaRPr lang="en-GB" dirty="0"/>
+          </a:p>
+        </p:txBody>
+      </p:sp>
+      <p:sp>
+        <p:nvSpPr>
+          <p:cNvPr id="8" name="Rounded Rectangle 7">
+            <a:extLst>
+              <a:ext uri="{FF2B5EF4-FFF2-40B4-BE49-F238E27FC236}">
+                <a16:creationId xmlns:a16="http://schemas.microsoft.com/office/drawing/2014/main" id="{F4513ADD-A76B-5449-ADC4-3558C1AF4372}"/>
+              </a:ext>
+            </a:extLst>
+          </p:cNvPr>
+          <p:cNvSpPr/>
+          <p:nvPr/>
+        </p:nvSpPr>
+        <p:spPr>
+          <a:xfrm>
+            <a:off x="3818400" y="2276872"/>
+            <a:ext cx="1368152" cy="720080"/>
+          </a:xfrm>
+          <a:prstGeom prst="roundRect">
+            <a:avLst/>
+          </a:prstGeom>
+        </p:spPr>
+        <p:style>
+          <a:lnRef idx="1">
+            <a:schemeClr val="accent1"/>
+          </a:lnRef>
+          <a:fillRef idx="3">
+            <a:schemeClr val="accent1"/>
+          </a:fillRef>
+          <a:effectRef idx="2">
+            <a:schemeClr val="accent1"/>
+          </a:effectRef>
+          <a:fontRef idx="minor">
+            <a:schemeClr val="lt1"/>
+          </a:fontRef>
+        </p:style>
+        <p:txBody>
+          <a:bodyPr rtlCol="0" anchor="ctr"/>
+          <a:lstStyle/>
+          <a:p>
+            <a:pPr algn="ctr"/>
+            <a:r>
+              <a:rPr lang="en-GB" dirty="0"/>
+              <a:t>Integer</a:t>
+            </a:r>
+          </a:p>
+        </p:txBody>
+      </p:sp>
+      <p:sp>
+        <p:nvSpPr>
+          <p:cNvPr id="9" name="Rounded Rectangle 8">
+            <a:extLst>
+              <a:ext uri="{FF2B5EF4-FFF2-40B4-BE49-F238E27FC236}">
+                <a16:creationId xmlns:a16="http://schemas.microsoft.com/office/drawing/2014/main" id="{178CFB0E-2AFB-2E48-8DC0-0594F05DF8B1}"/>
+              </a:ext>
+            </a:extLst>
+          </p:cNvPr>
+          <p:cNvSpPr/>
+          <p:nvPr/>
+        </p:nvSpPr>
+        <p:spPr>
+          <a:xfrm>
+            <a:off x="6588224" y="5157192"/>
+            <a:ext cx="1368152" cy="720080"/>
+          </a:xfrm>
+          <a:prstGeom prst="roundRect">
+            <a:avLst/>
+          </a:prstGeom>
+        </p:spPr>
+        <p:style>
+          <a:lnRef idx="1">
+            <a:schemeClr val="accent1"/>
+          </a:lnRef>
+          <a:fillRef idx="3">
+            <a:schemeClr val="accent1"/>
+          </a:fillRef>
+          <a:effectRef idx="2">
+            <a:schemeClr val="accent1"/>
+          </a:effectRef>
+          <a:fontRef idx="minor">
+            <a:schemeClr val="lt1"/>
+          </a:fontRef>
+        </p:style>
+        <p:txBody>
+          <a:bodyPr rtlCol="0" anchor="ctr"/>
+          <a:lstStyle/>
+          <a:p>
+            <a:pPr algn="ctr"/>
+            <a:r>
+              <a:rPr lang="en-GB" dirty="0"/>
+              <a:t>String</a:t>
+            </a:r>
+          </a:p>
+        </p:txBody>
+      </p:sp>
+      <p:cxnSp>
+        <p:nvCxnSpPr>
+          <p:cNvPr id="14" name="Elbow Connector 13">
+            <a:extLst>
+              <a:ext uri="{FF2B5EF4-FFF2-40B4-BE49-F238E27FC236}">
+                <a16:creationId xmlns:a16="http://schemas.microsoft.com/office/drawing/2014/main" id="{03CFBB46-4CBD-D144-B12A-D6646F1846A6}"/>
+              </a:ext>
+            </a:extLst>
+          </p:cNvPr>
+          <p:cNvCxnSpPr>
+            <a:cxnSpLocks/>
+          </p:cNvCxnSpPr>
+          <p:nvPr/>
+        </p:nvCxnSpPr>
+        <p:spPr>
+          <a:xfrm rot="16200000" flipH="1">
+            <a:off x="5157219" y="2632724"/>
+            <a:ext cx="2578947" cy="2299287"/>
+          </a:xfrm>
+          <a:prstGeom prst="bentConnector3">
+            <a:avLst>
+              <a:gd name="adj1" fmla="val 269"/>
+            </a:avLst>
+          </a:prstGeom>
+          <a:ln>
+            <a:headEnd type="none" w="lg" len="lg"/>
+            <a:tailEnd type="triangle" w="lg" len="lg"/>
+          </a:ln>
+        </p:spPr>
+        <p:style>
+          <a:lnRef idx="2">
+            <a:schemeClr val="accent1"/>
+          </a:lnRef>
+          <a:fillRef idx="0">
+            <a:schemeClr val="accent1"/>
+          </a:fillRef>
+          <a:effectRef idx="1">
+            <a:schemeClr val="accent1"/>
+          </a:effectRef>
+          <a:fontRef idx="minor">
+            <a:schemeClr val="tx1"/>
+          </a:fontRef>
+        </p:style>
+      </p:cxnSp>
+      <p:cxnSp>
+        <p:nvCxnSpPr>
+          <p:cNvPr id="21" name="Elbow Connector 20">
+            <a:extLst>
+              <a:ext uri="{FF2B5EF4-FFF2-40B4-BE49-F238E27FC236}">
+                <a16:creationId xmlns:a16="http://schemas.microsoft.com/office/drawing/2014/main" id="{81A95633-9398-A242-872C-E2E2D995C60D}"/>
+              </a:ext>
+            </a:extLst>
+          </p:cNvPr>
+          <p:cNvCxnSpPr>
+            <a:cxnSpLocks/>
+          </p:cNvCxnSpPr>
+          <p:nvPr/>
+        </p:nvCxnSpPr>
+        <p:spPr>
+          <a:xfrm rot="5400000" flipH="1" flipV="1">
+            <a:off x="1295636" y="2600909"/>
+            <a:ext cx="2520281" cy="2304256"/>
+          </a:xfrm>
+          <a:prstGeom prst="bentConnector3">
+            <a:avLst>
+              <a:gd name="adj1" fmla="val 99946"/>
+            </a:avLst>
+          </a:prstGeom>
+          <a:ln>
+            <a:headEnd type="none" w="lg" len="lg"/>
+            <a:tailEnd type="triangle" w="lg" len="lg"/>
+          </a:ln>
+        </p:spPr>
+        <p:style>
+          <a:lnRef idx="2">
+            <a:schemeClr val="accent1"/>
+          </a:lnRef>
+          <a:fillRef idx="0">
+            <a:schemeClr val="accent1"/>
+          </a:fillRef>
+          <a:effectRef idx="1">
+            <a:schemeClr val="accent1"/>
+          </a:effectRef>
+          <a:fontRef idx="minor">
+            <a:schemeClr val="tx1"/>
+          </a:fontRef>
+        </p:style>
+      </p:cxnSp>
+      <p:cxnSp>
+        <p:nvCxnSpPr>
+          <p:cNvPr id="33" name="Straight Arrow Connector 32">
+            <a:extLst>
+              <a:ext uri="{FF2B5EF4-FFF2-40B4-BE49-F238E27FC236}">
+                <a16:creationId xmlns:a16="http://schemas.microsoft.com/office/drawing/2014/main" id="{ACD1E128-13AB-C746-B420-1938FFBDEA1D}"/>
+              </a:ext>
+            </a:extLst>
+          </p:cNvPr>
+          <p:cNvCxnSpPr/>
+          <p:nvPr/>
+        </p:nvCxnSpPr>
+        <p:spPr>
+          <a:xfrm flipH="1">
+            <a:off x="2555776" y="5733256"/>
+            <a:ext cx="3816424" cy="0"/>
+          </a:xfrm>
+          <a:prstGeom prst="straightConnector1">
+            <a:avLst/>
+          </a:prstGeom>
+          <a:ln>
+            <a:tailEnd type="triangle" w="lg" len="lg"/>
+          </a:ln>
+        </p:spPr>
+        <p:style>
+          <a:lnRef idx="2">
+            <a:schemeClr val="accent1"/>
+          </a:lnRef>
+          <a:fillRef idx="0">
+            <a:schemeClr val="accent1"/>
+          </a:fillRef>
+          <a:effectRef idx="1">
+            <a:schemeClr val="accent1"/>
+          </a:effectRef>
+          <a:fontRef idx="minor">
+            <a:schemeClr val="tx1"/>
+          </a:fontRef>
+        </p:style>
+      </p:cxnSp>
+      <p:cxnSp>
+        <p:nvCxnSpPr>
+          <p:cNvPr id="34" name="Straight Arrow Connector 33">
+            <a:extLst>
+              <a:ext uri="{FF2B5EF4-FFF2-40B4-BE49-F238E27FC236}">
+                <a16:creationId xmlns:a16="http://schemas.microsoft.com/office/drawing/2014/main" id="{BE9BC55C-CDA5-CB47-9B87-E981051CBE17}"/>
+              </a:ext>
+            </a:extLst>
+          </p:cNvPr>
+          <p:cNvCxnSpPr>
+            <a:cxnSpLocks/>
+          </p:cNvCxnSpPr>
+          <p:nvPr/>
+        </p:nvCxnSpPr>
+        <p:spPr>
+          <a:xfrm>
+            <a:off x="2555776" y="5373216"/>
+            <a:ext cx="3816424" cy="0"/>
+          </a:xfrm>
+          <a:prstGeom prst="straightConnector1">
+            <a:avLst/>
+          </a:prstGeom>
+          <a:ln>
+            <a:solidFill>
+              <a:schemeClr val="accent6"/>
+            </a:solidFill>
+            <a:tailEnd type="triangle" w="lg" len="lg"/>
+          </a:ln>
+        </p:spPr>
+        <p:style>
+          <a:lnRef idx="2">
+            <a:schemeClr val="accent1"/>
+          </a:lnRef>
+          <a:fillRef idx="0">
+            <a:schemeClr val="accent1"/>
+          </a:fillRef>
+          <a:effectRef idx="1">
+            <a:schemeClr val="accent1"/>
+          </a:effectRef>
+          <a:fontRef idx="minor">
+            <a:schemeClr val="tx1"/>
+          </a:fontRef>
+        </p:style>
+      </p:cxnSp>
+      <p:cxnSp>
+        <p:nvCxnSpPr>
+          <p:cNvPr id="43" name="Elbow Connector 42">
+            <a:extLst>
+              <a:ext uri="{FF2B5EF4-FFF2-40B4-BE49-F238E27FC236}">
+                <a16:creationId xmlns:a16="http://schemas.microsoft.com/office/drawing/2014/main" id="{DB2B850E-612A-394C-B6A7-00AB19E58BF9}"/>
+              </a:ext>
+            </a:extLst>
+          </p:cNvPr>
+          <p:cNvCxnSpPr>
+            <a:cxnSpLocks/>
+          </p:cNvCxnSpPr>
+          <p:nvPr/>
+        </p:nvCxnSpPr>
+        <p:spPr>
+          <a:xfrm rot="5400000">
+            <a:off x="1788257" y="3152193"/>
+            <a:ext cx="2255120" cy="1584174"/>
+          </a:xfrm>
+          <a:prstGeom prst="bentConnector3">
+            <a:avLst>
+              <a:gd name="adj1" fmla="val 1027"/>
+            </a:avLst>
+          </a:prstGeom>
+          <a:ln>
+            <a:solidFill>
+              <a:schemeClr val="accent6"/>
+            </a:solidFill>
+            <a:headEnd type="none" w="lg" len="lg"/>
+            <a:tailEnd type="triangle" w="lg" len="lg"/>
+          </a:ln>
+        </p:spPr>
+        <p:style>
+          <a:lnRef idx="2">
+            <a:schemeClr val="accent1"/>
+          </a:lnRef>
+          <a:fillRef idx="0">
+            <a:schemeClr val="accent1"/>
+          </a:fillRef>
+          <a:effectRef idx="1">
+            <a:schemeClr val="accent1"/>
+          </a:effectRef>
+          <a:fontRef idx="minor">
+            <a:schemeClr val="tx1"/>
+          </a:fontRef>
+        </p:style>
+      </p:cxnSp>
+      <p:cxnSp>
+        <p:nvCxnSpPr>
+          <p:cNvPr id="49" name="Elbow Connector 48">
+            <a:extLst>
+              <a:ext uri="{FF2B5EF4-FFF2-40B4-BE49-F238E27FC236}">
+                <a16:creationId xmlns:a16="http://schemas.microsoft.com/office/drawing/2014/main" id="{47BFF950-C1A3-134A-82CB-5DD8DA206F1F}"/>
+              </a:ext>
+            </a:extLst>
+          </p:cNvPr>
+          <p:cNvCxnSpPr>
+            <a:cxnSpLocks/>
+          </p:cNvCxnSpPr>
+          <p:nvPr/>
+        </p:nvCxnSpPr>
+        <p:spPr>
+          <a:xfrm rot="16200000" flipV="1">
+            <a:off x="4940667" y="3149594"/>
+            <a:ext cx="2219964" cy="1507202"/>
+          </a:xfrm>
+          <a:prstGeom prst="bentConnector3">
+            <a:avLst>
+              <a:gd name="adj1" fmla="val 99749"/>
+            </a:avLst>
+          </a:prstGeom>
+          <a:ln>
+            <a:solidFill>
+              <a:schemeClr val="accent6"/>
+            </a:solidFill>
+            <a:headEnd type="none" w="lg" len="lg"/>
+            <a:tailEnd type="triangle" w="lg" len="lg"/>
+          </a:ln>
+        </p:spPr>
+        <p:style>
+          <a:lnRef idx="2">
+            <a:schemeClr val="accent1"/>
+          </a:lnRef>
+          <a:fillRef idx="0">
+            <a:schemeClr val="accent1"/>
+          </a:fillRef>
+          <a:effectRef idx="1">
+            <a:schemeClr val="accent1"/>
+          </a:effectRef>
+          <a:fontRef idx="minor">
+            <a:schemeClr val="tx1"/>
+          </a:fontRef>
+        </p:style>
+      </p:cxnSp>
+      <p:sp>
+        <p:nvSpPr>
+          <p:cNvPr id="59" name="TextBox 58">
+            <a:extLst>
+              <a:ext uri="{FF2B5EF4-FFF2-40B4-BE49-F238E27FC236}">
+                <a16:creationId xmlns:a16="http://schemas.microsoft.com/office/drawing/2014/main" id="{5EBC42E4-4E67-A04A-827D-0AB0EB62EFF4}"/>
+              </a:ext>
+            </a:extLst>
+          </p:cNvPr>
+          <p:cNvSpPr txBox="1"/>
+          <p:nvPr/>
+        </p:nvSpPr>
+        <p:spPr>
+          <a:xfrm>
+            <a:off x="3367108" y="5701283"/>
+            <a:ext cx="2270736" cy="646331"/>
+          </a:xfrm>
+          <a:prstGeom prst="rect">
+            <a:avLst/>
+          </a:prstGeom>
+          <a:noFill/>
+        </p:spPr>
+        <p:txBody>
+          <a:bodyPr wrap="square" rtlCol="0">
+            <a:spAutoFit/>
+          </a:bodyPr>
+          <a:lstStyle/>
+          <a:p>
+            <a:r>
+              <a:rPr lang="it-IT" dirty="0" err="1">
+                <a:solidFill>
+                  <a:schemeClr val="tx2">
+                    <a:lumMod val="60000"/>
+                    <a:lumOff val="40000"/>
+                  </a:schemeClr>
+                </a:solidFill>
+              </a:rPr>
+              <a:t>Integer.</a:t>
+            </a:r>
+            <a:r>
+              <a:rPr lang="it-IT" i="1" dirty="0" err="1">
+                <a:solidFill>
+                  <a:schemeClr val="tx2">
+                    <a:lumMod val="60000"/>
+                    <a:lumOff val="40000"/>
+                  </a:schemeClr>
+                </a:solidFill>
+              </a:rPr>
+              <a:t>parseInt</a:t>
+            </a:r>
+            <a:r>
+              <a:rPr lang="it-IT" dirty="0">
+                <a:solidFill>
+                  <a:schemeClr val="tx2">
+                    <a:lumMod val="60000"/>
+                    <a:lumOff val="40000"/>
+                  </a:schemeClr>
+                </a:solidFill>
+              </a:rPr>
+              <a:t>(</a:t>
+            </a:r>
+            <a:r>
+              <a:rPr lang="it-IT" u="sng" dirty="0" err="1">
+                <a:solidFill>
+                  <a:schemeClr val="tx2">
+                    <a:lumMod val="60000"/>
+                    <a:lumOff val="40000"/>
+                  </a:schemeClr>
+                </a:solidFill>
+              </a:rPr>
+              <a:t>str</a:t>
+            </a:r>
+            <a:r>
+              <a:rPr lang="it-IT" dirty="0">
+                <a:solidFill>
+                  <a:schemeClr val="tx2">
+                    <a:lumMod val="60000"/>
+                    <a:lumOff val="40000"/>
+                  </a:schemeClr>
+                </a:solidFill>
+              </a:rPr>
+              <a:t>);</a:t>
+            </a:r>
+          </a:p>
+          <a:p>
+            <a:endParaRPr lang="en-GB" dirty="0">
+              <a:solidFill>
+                <a:schemeClr val="tx2">
+                  <a:lumMod val="60000"/>
+                  <a:lumOff val="40000"/>
+                </a:schemeClr>
+              </a:solidFill>
+            </a:endParaRPr>
+          </a:p>
+        </p:txBody>
+      </p:sp>
+      <p:sp>
+        <p:nvSpPr>
+          <p:cNvPr id="61" name="TextBox 60">
+            <a:extLst>
+              <a:ext uri="{FF2B5EF4-FFF2-40B4-BE49-F238E27FC236}">
+                <a16:creationId xmlns:a16="http://schemas.microsoft.com/office/drawing/2014/main" id="{A2701077-E7F4-1943-9D2C-CFB236879945}"/>
+              </a:ext>
+            </a:extLst>
+          </p:cNvPr>
+          <p:cNvSpPr txBox="1"/>
+          <p:nvPr/>
+        </p:nvSpPr>
+        <p:spPr>
+          <a:xfrm>
+            <a:off x="3367108" y="4946247"/>
+            <a:ext cx="2429030" cy="369332"/>
+          </a:xfrm>
+          <a:prstGeom prst="rect">
+            <a:avLst/>
+          </a:prstGeom>
+          <a:noFill/>
+        </p:spPr>
+        <p:txBody>
+          <a:bodyPr wrap="square" rtlCol="0">
+            <a:spAutoFit/>
+          </a:bodyPr>
+          <a:lstStyle/>
+          <a:p>
+            <a:r>
+              <a:rPr lang="it-IT" dirty="0" err="1">
+                <a:solidFill>
+                  <a:schemeClr val="accent6">
+                    <a:lumMod val="75000"/>
+                  </a:schemeClr>
+                </a:solidFill>
+              </a:rPr>
+              <a:t>Integer.</a:t>
+            </a:r>
+            <a:r>
+              <a:rPr lang="it-IT" i="1" dirty="0" err="1">
+                <a:solidFill>
+                  <a:schemeClr val="accent6">
+                    <a:lumMod val="75000"/>
+                  </a:schemeClr>
+                </a:solidFill>
+              </a:rPr>
+              <a:t>toString</a:t>
+            </a:r>
+            <a:r>
+              <a:rPr lang="it-IT" dirty="0">
+                <a:solidFill>
+                  <a:schemeClr val="accent6">
+                    <a:lumMod val="75000"/>
+                  </a:schemeClr>
+                </a:solidFill>
+              </a:rPr>
+              <a:t>(</a:t>
+            </a:r>
+            <a:r>
+              <a:rPr lang="it-IT" dirty="0" err="1">
+                <a:solidFill>
+                  <a:schemeClr val="accent6">
+                    <a:lumMod val="75000"/>
+                  </a:schemeClr>
+                </a:solidFill>
+              </a:rPr>
+              <a:t>int</a:t>
+            </a:r>
+            <a:r>
+              <a:rPr lang="it-IT" dirty="0">
+                <a:solidFill>
+                  <a:schemeClr val="accent6">
+                    <a:lumMod val="75000"/>
+                  </a:schemeClr>
+                </a:solidFill>
+              </a:rPr>
+              <a:t> </a:t>
+            </a:r>
+            <a:r>
+              <a:rPr lang="it-IT" dirty="0" err="1">
+                <a:solidFill>
+                  <a:schemeClr val="accent6">
+                    <a:lumMod val="75000"/>
+                  </a:schemeClr>
+                </a:solidFill>
+              </a:rPr>
+              <a:t>n</a:t>
+            </a:r>
+            <a:r>
+              <a:rPr lang="it-IT" dirty="0">
+                <a:solidFill>
+                  <a:schemeClr val="accent6">
+                    <a:lumMod val="75000"/>
+                  </a:schemeClr>
+                </a:solidFill>
+              </a:rPr>
+              <a:t>);</a:t>
+            </a:r>
+          </a:p>
+        </p:txBody>
+      </p:sp>
+      <p:sp>
+        <p:nvSpPr>
+          <p:cNvPr id="62" name="TextBox 61">
+            <a:extLst>
+              <a:ext uri="{FF2B5EF4-FFF2-40B4-BE49-F238E27FC236}">
+                <a16:creationId xmlns:a16="http://schemas.microsoft.com/office/drawing/2014/main" id="{9D94D18C-A7F0-2B49-B6F8-29ADBFBFFA20}"/>
+              </a:ext>
+            </a:extLst>
+          </p:cNvPr>
+          <p:cNvSpPr txBox="1"/>
+          <p:nvPr/>
+        </p:nvSpPr>
+        <p:spPr>
+          <a:xfrm>
+            <a:off x="6243105" y="2083955"/>
+            <a:ext cx="2058389" cy="646331"/>
+          </a:xfrm>
+          <a:prstGeom prst="rect">
+            <a:avLst/>
+          </a:prstGeom>
+          <a:noFill/>
+        </p:spPr>
+        <p:txBody>
+          <a:bodyPr wrap="square" rtlCol="0">
+            <a:spAutoFit/>
+          </a:bodyPr>
+          <a:lstStyle/>
+          <a:p>
+            <a:r>
+              <a:rPr lang="it-IT" dirty="0" err="1">
+                <a:solidFill>
+                  <a:schemeClr val="tx2">
+                    <a:lumMod val="60000"/>
+                    <a:lumOff val="40000"/>
+                  </a:schemeClr>
+                </a:solidFill>
+              </a:rPr>
+              <a:t>obj.toString</a:t>
+            </a:r>
+            <a:r>
+              <a:rPr lang="it-IT" dirty="0">
+                <a:solidFill>
+                  <a:schemeClr val="tx2">
+                    <a:lumMod val="60000"/>
+                    <a:lumOff val="40000"/>
+                  </a:schemeClr>
+                </a:solidFill>
+              </a:rPr>
+              <a:t>();</a:t>
+            </a:r>
+          </a:p>
+          <a:p>
+            <a:endParaRPr lang="en-GB" dirty="0">
+              <a:solidFill>
+                <a:schemeClr val="tx2">
+                  <a:lumMod val="60000"/>
+                  <a:lumOff val="40000"/>
+                </a:schemeClr>
+              </a:solidFill>
+            </a:endParaRPr>
+          </a:p>
+        </p:txBody>
+      </p:sp>
+      <p:sp>
+        <p:nvSpPr>
+          <p:cNvPr id="64" name="TextBox 63">
+            <a:extLst>
+              <a:ext uri="{FF2B5EF4-FFF2-40B4-BE49-F238E27FC236}">
+                <a16:creationId xmlns:a16="http://schemas.microsoft.com/office/drawing/2014/main" id="{A155E842-1C86-8F4C-9E16-2E048F26518D}"/>
+              </a:ext>
+            </a:extLst>
+          </p:cNvPr>
+          <p:cNvSpPr txBox="1"/>
+          <p:nvPr/>
+        </p:nvSpPr>
+        <p:spPr>
+          <a:xfrm>
+            <a:off x="4119607" y="3072342"/>
+            <a:ext cx="2552872" cy="369332"/>
+          </a:xfrm>
+          <a:prstGeom prst="rect">
+            <a:avLst/>
+          </a:prstGeom>
+          <a:noFill/>
+        </p:spPr>
+        <p:txBody>
+          <a:bodyPr wrap="square" rtlCol="0">
+            <a:spAutoFit/>
+          </a:bodyPr>
+          <a:lstStyle/>
+          <a:p>
+            <a:r>
+              <a:rPr lang="it-IT" dirty="0" err="1">
+                <a:solidFill>
+                  <a:schemeClr val="accent6">
+                    <a:lumMod val="75000"/>
+                  </a:schemeClr>
+                </a:solidFill>
+              </a:rPr>
+              <a:t>Integer.</a:t>
+            </a:r>
+            <a:r>
+              <a:rPr lang="it-IT" i="1" dirty="0" err="1">
+                <a:solidFill>
+                  <a:schemeClr val="accent6">
+                    <a:lumMod val="75000"/>
+                  </a:schemeClr>
+                </a:solidFill>
+              </a:rPr>
+              <a:t>valueOf</a:t>
+            </a:r>
+            <a:r>
+              <a:rPr lang="it-IT" dirty="0">
+                <a:solidFill>
+                  <a:schemeClr val="accent6">
+                    <a:lumMod val="75000"/>
+                  </a:schemeClr>
+                </a:solidFill>
+              </a:rPr>
+              <a:t>(</a:t>
+            </a:r>
+            <a:r>
+              <a:rPr lang="it-IT" dirty="0" err="1">
+                <a:solidFill>
+                  <a:schemeClr val="accent6">
+                    <a:lumMod val="75000"/>
+                  </a:schemeClr>
+                </a:solidFill>
+              </a:rPr>
+              <a:t>String</a:t>
+            </a:r>
+            <a:r>
+              <a:rPr lang="it-IT" dirty="0">
+                <a:solidFill>
+                  <a:schemeClr val="accent6">
+                    <a:lumMod val="75000"/>
+                  </a:schemeClr>
+                </a:solidFill>
+              </a:rPr>
+              <a:t> </a:t>
+            </a:r>
+            <a:r>
+              <a:rPr lang="it-IT" dirty="0" err="1">
+                <a:solidFill>
+                  <a:schemeClr val="accent6">
+                    <a:lumMod val="75000"/>
+                  </a:schemeClr>
+                </a:solidFill>
+              </a:rPr>
+              <a:t>s</a:t>
+            </a:r>
+            <a:r>
+              <a:rPr lang="it-IT" dirty="0">
+                <a:solidFill>
+                  <a:schemeClr val="accent6">
+                    <a:lumMod val="75000"/>
+                  </a:schemeClr>
+                </a:solidFill>
+              </a:rPr>
+              <a:t>);</a:t>
+            </a:r>
           </a:p>
         </p:txBody>
       </p:sp>
@@ -22978,7 +23787,7 @@
           <a:p>
             <a:r>
               <a:rPr lang="en-US" dirty="0"/>
-              <a:t>Auto boxing</a:t>
+              <a:t>Auto boxing/unboxing</a:t>
             </a:r>
           </a:p>
         </p:txBody>
@@ -22996,12 +23805,12 @@
         <p:spPr/>
         <p:txBody>
           <a:bodyPr>
-            <a:normAutofit lnSpcReduction="10000"/>
+            <a:normAutofit/>
           </a:bodyPr>
           <a:lstStyle/>
           <a:p>
             <a:r>
-              <a:rPr lang="en-US" sz="2200" dirty="0">
+              <a:rPr lang="en-US" sz="2800" dirty="0">
                 <a:solidFill>
                   <a:schemeClr val="accent6">
                     <a:lumMod val="75000"/>
@@ -23011,28 +23820,32 @@
               <a:t>Auto boxing </a:t>
             </a:r>
             <a:r>
-              <a:rPr lang="en-US" sz="2200" dirty="0"/>
+              <a:rPr lang="en-US" sz="2800" dirty="0"/>
               <a:t>is the automatic conversion that the Java compiler makes between the primitive types and their corresponding object wrapper classes. For example, converting an </a:t>
             </a:r>
             <a:r>
-              <a:rPr lang="en-US" sz="2200" dirty="0" err="1"/>
+              <a:rPr lang="en-US" sz="2800" dirty="0" err="1"/>
               <a:t>int</a:t>
             </a:r>
             <a:r>
-              <a:rPr lang="en-US" sz="2200" dirty="0"/>
-              <a:t> to an Integer, a double to a Double, and so on. If the conversion goes the other way, this is called </a:t>
-            </a:r>
-            <a:r>
-              <a:rPr lang="en-US" sz="2200" dirty="0">
-                <a:solidFill>
-                  <a:srgbClr val="E46C0A"/>
-                </a:solidFill>
-              </a:rPr>
-              <a:t>Unboxing</a:t>
-            </a:r>
-            <a:r>
-              <a:rPr lang="en-US" sz="2200" dirty="0"/>
-              <a:t>.</a:t>
+              <a:rPr lang="en-US" sz="2800" dirty="0"/>
+              <a:t> to an Integer, a double to a Double, and so on. </a:t>
+            </a:r>
+          </a:p>
+          <a:p>
+            <a:r>
+              <a:rPr lang="en-US" sz="2800" dirty="0"/>
+              <a:t>If the conversion goes the other way, this is called </a:t>
+            </a:r>
+            <a:r>
+              <a:rPr lang="en-US" sz="2800" dirty="0">
+                <a:solidFill>
+                  <a:schemeClr val="accent6">
+                    <a:lumMod val="75000"/>
+                  </a:schemeClr>
+                </a:solidFill>
+              </a:rPr>
+              <a:t>Auto unboxing.</a:t>
             </a:r>
           </a:p>
           <a:p>
@@ -23043,240 +23856,6 @@
               <a:latin typeface="Courier"/>
               <a:cs typeface="Courier"/>
             </a:endParaRPr>
-          </a:p>
-          <a:p>
-            <a:pPr marL="0" indent="0">
-              <a:buNone/>
-            </a:pPr>
-            <a:r>
-              <a:rPr lang="en-US" sz="1700" dirty="0">
-                <a:latin typeface="Consolas"/>
-                <a:cs typeface="Consolas"/>
-              </a:rPr>
-              <a:t>class </a:t>
-            </a:r>
-            <a:r>
-              <a:rPr lang="en-US" sz="1700" dirty="0" err="1">
-                <a:latin typeface="Consolas"/>
-                <a:cs typeface="Consolas"/>
-              </a:rPr>
-              <a:t>AutoboxingExample</a:t>
-            </a:r>
-            <a:r>
-              <a:rPr lang="en-US" sz="1700" dirty="0">
-                <a:latin typeface="Consolas"/>
-                <a:cs typeface="Consolas"/>
-              </a:rPr>
-              <a:t> {</a:t>
-            </a:r>
-          </a:p>
-          <a:p>
-            <a:pPr marL="0" indent="0">
-              <a:buNone/>
-            </a:pPr>
-            <a:r>
-              <a:rPr lang="en-US" sz="1700" dirty="0">
-                <a:latin typeface="Consolas"/>
-                <a:cs typeface="Consolas"/>
-              </a:rPr>
-              <a:t>   public static void </a:t>
-            </a:r>
-            <a:r>
-              <a:rPr lang="en-US" sz="1700" dirty="0" err="1">
-                <a:latin typeface="Consolas"/>
-                <a:cs typeface="Consolas"/>
-              </a:rPr>
-              <a:t>myMethod</a:t>
-            </a:r>
-            <a:r>
-              <a:rPr lang="en-US" sz="1700" dirty="0">
-                <a:latin typeface="Consolas"/>
-                <a:cs typeface="Consolas"/>
-              </a:rPr>
-              <a:t>(Integer </a:t>
-            </a:r>
-            <a:r>
-              <a:rPr lang="en-US" sz="1700" dirty="0" err="1">
-                <a:latin typeface="Consolas"/>
-                <a:cs typeface="Consolas"/>
-              </a:rPr>
-              <a:t>num</a:t>
-            </a:r>
-            <a:r>
-              <a:rPr lang="en-US" sz="1700" dirty="0">
-                <a:latin typeface="Consolas"/>
-                <a:cs typeface="Consolas"/>
-              </a:rPr>
-              <a:t>){</a:t>
-            </a:r>
-          </a:p>
-          <a:p>
-            <a:pPr marL="0" indent="0">
-              <a:buNone/>
-            </a:pPr>
-            <a:r>
-              <a:rPr lang="en-US" sz="1700" dirty="0">
-                <a:latin typeface="Consolas"/>
-                <a:cs typeface="Consolas"/>
-              </a:rPr>
-              <a:t>		</a:t>
-            </a:r>
-            <a:r>
-              <a:rPr lang="en-US" sz="1700" dirty="0" err="1">
-                <a:latin typeface="Consolas"/>
-                <a:cs typeface="Consolas"/>
-              </a:rPr>
-              <a:t>System.out.println</a:t>
-            </a:r>
-            <a:r>
-              <a:rPr lang="en-US" sz="1700" dirty="0">
-                <a:latin typeface="Consolas"/>
-                <a:cs typeface="Consolas"/>
-              </a:rPr>
-              <a:t>(</a:t>
-            </a:r>
-            <a:r>
-              <a:rPr lang="en-US" sz="1700" dirty="0" err="1">
-                <a:latin typeface="Consolas"/>
-                <a:cs typeface="Consolas"/>
-              </a:rPr>
-              <a:t>num</a:t>
-            </a:r>
-            <a:r>
-              <a:rPr lang="en-US" sz="1700" dirty="0">
-                <a:latin typeface="Consolas"/>
-                <a:cs typeface="Consolas"/>
-              </a:rPr>
-              <a:t>);</a:t>
-            </a:r>
-          </a:p>
-          <a:p>
-            <a:pPr marL="0" indent="0">
-              <a:buNone/>
-            </a:pPr>
-            <a:r>
-              <a:rPr lang="en-US" sz="1700" dirty="0">
-                <a:latin typeface="Consolas"/>
-                <a:cs typeface="Consolas"/>
-              </a:rPr>
-              <a:t>   }</a:t>
-            </a:r>
-          </a:p>
-          <a:p>
-            <a:pPr marL="0" indent="0">
-              <a:buNone/>
-            </a:pPr>
-            <a:r>
-              <a:rPr lang="en-US" sz="1700" dirty="0">
-                <a:latin typeface="Consolas"/>
-                <a:cs typeface="Consolas"/>
-              </a:rPr>
-              <a:t>   public static void main(String[] </a:t>
-            </a:r>
-            <a:r>
-              <a:rPr lang="en-US" sz="1700" dirty="0" err="1">
-                <a:latin typeface="Consolas"/>
-                <a:cs typeface="Consolas"/>
-              </a:rPr>
-              <a:t>args</a:t>
-            </a:r>
-            <a:r>
-              <a:rPr lang="en-US" sz="1700" dirty="0">
-                <a:latin typeface="Consolas"/>
-                <a:cs typeface="Consolas"/>
-              </a:rPr>
-              <a:t>) {</a:t>
-            </a:r>
-          </a:p>
-          <a:p>
-            <a:pPr marL="0" indent="0">
-              <a:buNone/>
-            </a:pPr>
-            <a:r>
-              <a:rPr lang="en-US" sz="1700" dirty="0">
-                <a:latin typeface="Consolas"/>
-                <a:cs typeface="Consolas"/>
-              </a:rPr>
-              <a:t>		</a:t>
-            </a:r>
-            <a:r>
-              <a:rPr lang="en-US" sz="1700" dirty="0" err="1">
-                <a:latin typeface="Consolas"/>
-                <a:cs typeface="Consolas"/>
-              </a:rPr>
-              <a:t>int</a:t>
-            </a:r>
-            <a:r>
-              <a:rPr lang="en-US" sz="1700" dirty="0">
-                <a:latin typeface="Consolas"/>
-                <a:cs typeface="Consolas"/>
-              </a:rPr>
-              <a:t> i = 2;</a:t>
-            </a:r>
-          </a:p>
-          <a:p>
-            <a:pPr marL="0" indent="0">
-              <a:buNone/>
-            </a:pPr>
-            <a:r>
-              <a:rPr lang="en-US" sz="1700" dirty="0">
-                <a:latin typeface="Consolas"/>
-                <a:cs typeface="Consolas"/>
-              </a:rPr>
-              <a:t>		</a:t>
-            </a:r>
-            <a:r>
-              <a:rPr lang="en-US" sz="1700" dirty="0" err="1">
-                <a:latin typeface="Consolas"/>
-                <a:cs typeface="Consolas"/>
-              </a:rPr>
-              <a:t>myMethod</a:t>
-            </a:r>
-            <a:r>
-              <a:rPr lang="en-US" sz="1700" dirty="0">
-                <a:latin typeface="Consolas"/>
-                <a:cs typeface="Consolas"/>
-              </a:rPr>
-              <a:t>(</a:t>
-            </a:r>
-            <a:r>
-              <a:rPr lang="en-US" sz="1700" dirty="0" err="1">
-                <a:latin typeface="Consolas"/>
-                <a:cs typeface="Consolas"/>
-              </a:rPr>
-              <a:t>i</a:t>
-            </a:r>
-            <a:r>
-              <a:rPr lang="en-US" sz="1700" dirty="0">
-                <a:latin typeface="Consolas"/>
-                <a:cs typeface="Consolas"/>
-              </a:rPr>
-              <a:t>);</a:t>
-            </a:r>
-          </a:p>
-          <a:p>
-            <a:pPr marL="0" indent="0">
-              <a:buNone/>
-            </a:pPr>
-            <a:r>
-              <a:rPr lang="en-US" sz="1700" dirty="0">
-                <a:latin typeface="Consolas"/>
-                <a:cs typeface="Consolas"/>
-              </a:rPr>
-              <a:t>   }</a:t>
-            </a:r>
-          </a:p>
-          <a:p>
-            <a:pPr marL="0" indent="0">
-              <a:buNone/>
-            </a:pPr>
-            <a:r>
-              <a:rPr lang="en-US" sz="1700" dirty="0">
-                <a:latin typeface="Consolas"/>
-                <a:cs typeface="Consolas"/>
-              </a:rPr>
-              <a:t>}</a:t>
-            </a:r>
           </a:p>
         </p:txBody>
       </p:sp>
@@ -23351,7 +23930,7 @@
           <a:p>
             <a:r>
               <a:rPr lang="en-US" dirty="0"/>
-              <a:t>Auto unboxing</a:t>
+              <a:t>Auto boxing</a:t>
             </a:r>
           </a:p>
         </p:txBody>
@@ -23369,168 +23948,213 @@
         <p:spPr/>
         <p:txBody>
           <a:bodyPr>
-            <a:normAutofit fontScale="92500" lnSpcReduction="10000"/>
+            <a:normAutofit/>
           </a:bodyPr>
           <a:lstStyle/>
           <a:p>
-            <a:r>
-              <a:rPr lang="en-US" sz="2200" dirty="0">
-                <a:solidFill>
-                  <a:schemeClr val="accent6">
-                    <a:lumMod val="75000"/>
-                  </a:schemeClr>
-                </a:solidFill>
-              </a:rPr>
-              <a:t>Auto boxing </a:t>
-            </a:r>
-            <a:r>
-              <a:rPr lang="en-US" sz="2200" dirty="0"/>
-              <a:t>is the automatic conversion that the Java compiler makes between the primitive types and their corresponding object wrapper classes. For example, converting an </a:t>
-            </a:r>
-            <a:r>
-              <a:rPr lang="en-US" sz="2200" dirty="0" err="1"/>
+            <a:pPr marL="0" indent="0">
+              <a:buNone/>
+            </a:pPr>
+            <a:r>
+              <a:rPr lang="en-US" sz="2400" dirty="0">
+                <a:latin typeface="Consolas"/>
+                <a:cs typeface="Consolas"/>
+              </a:rPr>
+              <a:t>class </a:t>
+            </a:r>
+            <a:r>
+              <a:rPr lang="en-US" sz="2400" dirty="0" err="1">
+                <a:latin typeface="Consolas"/>
+                <a:cs typeface="Consolas"/>
+              </a:rPr>
+              <a:t>AutoboxingExample</a:t>
+            </a:r>
+            <a:r>
+              <a:rPr lang="en-US" sz="2400" dirty="0">
+                <a:latin typeface="Consolas"/>
+                <a:cs typeface="Consolas"/>
+              </a:rPr>
+              <a:t> {</a:t>
+            </a:r>
+          </a:p>
+          <a:p>
+            <a:pPr marL="0" indent="0">
+              <a:buNone/>
+            </a:pPr>
+            <a:r>
+              <a:rPr lang="en-US" sz="2400" dirty="0">
+                <a:latin typeface="Consolas"/>
+                <a:cs typeface="Consolas"/>
+              </a:rPr>
+              <a:t>   public static void </a:t>
+            </a:r>
+            <a:r>
+              <a:rPr lang="en-US" sz="2400" dirty="0" err="1">
+                <a:latin typeface="Consolas"/>
+                <a:cs typeface="Consolas"/>
+              </a:rPr>
+              <a:t>myMethod</a:t>
+            </a:r>
+            <a:r>
+              <a:rPr lang="en-US" sz="2400" dirty="0">
+                <a:latin typeface="Consolas"/>
+                <a:cs typeface="Consolas"/>
+              </a:rPr>
+              <a:t>(Integer </a:t>
+            </a:r>
+            <a:r>
+              <a:rPr lang="en-US" sz="2400" dirty="0" err="1">
+                <a:latin typeface="Consolas"/>
+                <a:cs typeface="Consolas"/>
+              </a:rPr>
+              <a:t>num</a:t>
+            </a:r>
+            <a:r>
+              <a:rPr lang="en-US" sz="2400" dirty="0">
+                <a:latin typeface="Consolas"/>
+                <a:cs typeface="Consolas"/>
+              </a:rPr>
+              <a:t>){</a:t>
+            </a:r>
+          </a:p>
+          <a:p>
+            <a:pPr marL="0" indent="0">
+              <a:buNone/>
+            </a:pPr>
+            <a:r>
+              <a:rPr lang="en-US" sz="2400" dirty="0">
+                <a:latin typeface="Consolas"/>
+                <a:cs typeface="Consolas"/>
+              </a:rPr>
+              <a:t>		</a:t>
+            </a:r>
+            <a:r>
+              <a:rPr lang="en-US" sz="2400" dirty="0" err="1">
+                <a:latin typeface="Consolas"/>
+                <a:cs typeface="Consolas"/>
+              </a:rPr>
+              <a:t>System.out.println</a:t>
+            </a:r>
+            <a:r>
+              <a:rPr lang="en-US" sz="2400" dirty="0">
+                <a:latin typeface="Consolas"/>
+                <a:cs typeface="Consolas"/>
+              </a:rPr>
+              <a:t>(</a:t>
+            </a:r>
+            <a:r>
+              <a:rPr lang="en-US" sz="2400" dirty="0" err="1">
+                <a:latin typeface="Consolas"/>
+                <a:cs typeface="Consolas"/>
+              </a:rPr>
+              <a:t>num</a:t>
+            </a:r>
+            <a:r>
+              <a:rPr lang="en-US" sz="2400" dirty="0">
+                <a:latin typeface="Consolas"/>
+                <a:cs typeface="Consolas"/>
+              </a:rPr>
+              <a:t>);</a:t>
+            </a:r>
+          </a:p>
+          <a:p>
+            <a:pPr marL="0" indent="0">
+              <a:buNone/>
+            </a:pPr>
+            <a:r>
+              <a:rPr lang="en-US" sz="2400" dirty="0">
+                <a:latin typeface="Consolas"/>
+                <a:cs typeface="Consolas"/>
+              </a:rPr>
+              <a:t>   }</a:t>
+            </a:r>
+          </a:p>
+          <a:p>
+            <a:pPr marL="0" indent="0">
+              <a:buNone/>
+            </a:pPr>
+            <a:r>
+              <a:rPr lang="en-US" sz="2400" dirty="0">
+                <a:latin typeface="Consolas"/>
+                <a:cs typeface="Consolas"/>
+              </a:rPr>
+              <a:t>   public static void main(String[] </a:t>
+            </a:r>
+            <a:r>
+              <a:rPr lang="en-US" sz="2400" dirty="0" err="1">
+                <a:latin typeface="Consolas"/>
+                <a:cs typeface="Consolas"/>
+              </a:rPr>
+              <a:t>args</a:t>
+            </a:r>
+            <a:r>
+              <a:rPr lang="en-US" sz="2400" dirty="0">
+                <a:latin typeface="Consolas"/>
+                <a:cs typeface="Consolas"/>
+              </a:rPr>
+              <a:t>) {</a:t>
+            </a:r>
+          </a:p>
+          <a:p>
+            <a:pPr marL="0" indent="0">
+              <a:buNone/>
+            </a:pPr>
+            <a:r>
+              <a:rPr lang="en-US" sz="2400" dirty="0">
+                <a:latin typeface="Consolas"/>
+                <a:cs typeface="Consolas"/>
+              </a:rPr>
+              <a:t>		</a:t>
+            </a:r>
+            <a:r>
+              <a:rPr lang="en-US" sz="2400" dirty="0" err="1">
+                <a:latin typeface="Consolas"/>
+                <a:cs typeface="Consolas"/>
+              </a:rPr>
               <a:t>int</a:t>
             </a:r>
             <a:r>
-              <a:rPr lang="en-US" sz="2200" dirty="0"/>
-              <a:t> to an Integer, a double to a Double, and so on. If the conversion goes the other way, this is called </a:t>
-            </a:r>
-            <a:r>
-              <a:rPr lang="en-US" sz="2200" dirty="0">
-                <a:solidFill>
-                  <a:srgbClr val="E46C0A"/>
-                </a:solidFill>
-              </a:rPr>
-              <a:t>Unboxing</a:t>
-            </a:r>
-            <a:r>
-              <a:rPr lang="en-US" sz="2200" dirty="0"/>
-              <a:t>.</a:t>
-            </a:r>
-          </a:p>
-          <a:p>
-            <a:pPr marL="0" indent="0">
-              <a:buNone/>
-            </a:pPr>
-            <a:endParaRPr lang="en-US" sz="1800" dirty="0">
-              <a:latin typeface="Consolas"/>
-              <a:cs typeface="Consolas"/>
-            </a:endParaRPr>
-          </a:p>
-          <a:p>
-            <a:pPr marL="0" indent="0">
-              <a:buNone/>
-            </a:pPr>
-            <a:r>
-              <a:rPr lang="en-US" sz="1900" dirty="0">
-                <a:latin typeface="Consolas"/>
-                <a:cs typeface="Consolas"/>
-              </a:rPr>
-              <a:t>class </a:t>
-            </a:r>
-            <a:r>
-              <a:rPr lang="en-US" sz="1900" dirty="0" err="1">
-                <a:latin typeface="Consolas"/>
-                <a:cs typeface="Consolas"/>
-              </a:rPr>
-              <a:t>UnboxingExample</a:t>
-            </a:r>
-            <a:r>
-              <a:rPr lang="en-US" sz="1900" dirty="0">
-                <a:latin typeface="Consolas"/>
-                <a:cs typeface="Consolas"/>
-              </a:rPr>
-              <a:t> {</a:t>
-            </a:r>
-          </a:p>
-          <a:p>
-            <a:pPr marL="0" indent="0">
-              <a:buNone/>
-            </a:pPr>
-            <a:r>
-              <a:rPr lang="en-US" sz="1900" dirty="0">
-                <a:latin typeface="Consolas"/>
-                <a:cs typeface="Consolas"/>
-              </a:rPr>
-              <a:t>   public static void </a:t>
-            </a:r>
-            <a:r>
-              <a:rPr lang="en-US" sz="1900" dirty="0" err="1">
+              <a:rPr lang="en-US" sz="2400" dirty="0">
+                <a:latin typeface="Consolas"/>
+                <a:cs typeface="Consolas"/>
+              </a:rPr>
+              <a:t> i = 2;</a:t>
+            </a:r>
+          </a:p>
+          <a:p>
+            <a:pPr marL="0" indent="0">
+              <a:buNone/>
+            </a:pPr>
+            <a:r>
+              <a:rPr lang="en-US" sz="2400" dirty="0">
+                <a:latin typeface="Consolas"/>
+                <a:cs typeface="Consolas"/>
+              </a:rPr>
+              <a:t>		</a:t>
+            </a:r>
+            <a:r>
+              <a:rPr lang="en-US" sz="2400" dirty="0" err="1">
                 <a:latin typeface="Consolas"/>
                 <a:cs typeface="Consolas"/>
               </a:rPr>
               <a:t>myMethod</a:t>
             </a:r>
             <a:r>
-              <a:rPr lang="en-US" sz="1900" dirty="0">
+              <a:rPr lang="en-US" sz="2400" dirty="0">
                 <a:latin typeface="Consolas"/>
                 <a:cs typeface="Consolas"/>
               </a:rPr>
               <a:t>(</a:t>
             </a:r>
             <a:r>
-              <a:rPr lang="en-US" sz="1900" dirty="0" err="1">
-                <a:latin typeface="Consolas"/>
-                <a:cs typeface="Consolas"/>
-              </a:rPr>
-              <a:t>int</a:t>
-            </a:r>
-            <a:r>
-              <a:rPr lang="en-US" sz="1900" dirty="0">
-                <a:latin typeface="Consolas"/>
-                <a:cs typeface="Consolas"/>
-              </a:rPr>
-              <a:t> </a:t>
-            </a:r>
-            <a:r>
-              <a:rPr lang="en-US" sz="1900" dirty="0" err="1">
-                <a:latin typeface="Consolas"/>
-                <a:cs typeface="Consolas"/>
-              </a:rPr>
-              <a:t>num</a:t>
-            </a:r>
-            <a:r>
-              <a:rPr lang="en-US" sz="1900" dirty="0">
-                <a:latin typeface="Consolas"/>
-                <a:cs typeface="Consolas"/>
-              </a:rPr>
-              <a:t>){</a:t>
-            </a:r>
-          </a:p>
-          <a:p>
-            <a:pPr marL="0" indent="0">
-              <a:buNone/>
-            </a:pPr>
-            <a:r>
-              <a:rPr lang="en-US" sz="1900" dirty="0">
-                <a:latin typeface="Consolas"/>
-                <a:cs typeface="Consolas"/>
-              </a:rPr>
-              <a:t>		</a:t>
-            </a:r>
-            <a:r>
-              <a:rPr lang="en-US" sz="1900" dirty="0" err="1">
-                <a:latin typeface="Consolas"/>
-                <a:cs typeface="Consolas"/>
-              </a:rPr>
-              <a:t>System.out.println</a:t>
-            </a:r>
-            <a:r>
-              <a:rPr lang="en-US" sz="1900" dirty="0">
-                <a:latin typeface="Consolas"/>
-                <a:cs typeface="Consolas"/>
-              </a:rPr>
-              <a:t>(</a:t>
-            </a:r>
-            <a:r>
-              <a:rPr lang="en-US" sz="1900" dirty="0" err="1">
-                <a:latin typeface="Consolas"/>
-                <a:cs typeface="Consolas"/>
-              </a:rPr>
-              <a:t>num</a:t>
-            </a:r>
-            <a:r>
-              <a:rPr lang="en-US" sz="1900" dirty="0">
+              <a:rPr lang="en-US" sz="2400" dirty="0" err="1">
+                <a:latin typeface="Consolas"/>
+                <a:cs typeface="Consolas"/>
+              </a:rPr>
+              <a:t>i</a:t>
+            </a:r>
+            <a:r>
+              <a:rPr lang="en-US" sz="2400" dirty="0">
                 <a:latin typeface="Consolas"/>
                 <a:cs typeface="Consolas"/>
               </a:rPr>
@@ -23542,7 +24166,7 @@
               <a:buNone/>
             </a:pPr>
             <a:r>
-              <a:rPr lang="en-US" sz="1900" dirty="0">
+              <a:rPr lang="en-US" sz="2400" dirty="0">
                 <a:latin typeface="Consolas"/>
                 <a:cs typeface="Consolas"/>
               </a:rPr>
@@ -23554,111 +24178,7 @@
               <a:buNone/>
             </a:pPr>
             <a:r>
-              <a:rPr lang="en-US" sz="1900" dirty="0">
-                <a:latin typeface="Consolas"/>
-                <a:cs typeface="Consolas"/>
-              </a:rPr>
-              <a:t>   public static void main(String[] </a:t>
-            </a:r>
-            <a:r>
-              <a:rPr lang="en-US" sz="1900" dirty="0" err="1">
-                <a:latin typeface="Consolas"/>
-                <a:cs typeface="Consolas"/>
-              </a:rPr>
-              <a:t>args</a:t>
-            </a:r>
-            <a:r>
-              <a:rPr lang="en-US" sz="1900" dirty="0">
-                <a:latin typeface="Consolas"/>
-                <a:cs typeface="Consolas"/>
-              </a:rPr>
-              <a:t>) {</a:t>
-            </a:r>
-          </a:p>
-          <a:p>
-            <a:pPr marL="0" indent="0">
-              <a:buNone/>
-            </a:pPr>
-            <a:r>
-              <a:rPr lang="en-US" sz="1900" dirty="0">
-                <a:latin typeface="Consolas"/>
-                <a:cs typeface="Consolas"/>
-              </a:rPr>
-              <a:t>    	Integer </a:t>
-            </a:r>
-            <a:r>
-              <a:rPr lang="en-US" sz="1900" dirty="0" err="1">
-                <a:latin typeface="Consolas"/>
-                <a:cs typeface="Consolas"/>
-              </a:rPr>
-              <a:t>i</a:t>
-            </a:r>
-            <a:r>
-              <a:rPr lang="en-US" sz="1900" dirty="0">
-                <a:latin typeface="Consolas"/>
-                <a:cs typeface="Consolas"/>
-              </a:rPr>
-              <a:t> = new Integer(100);</a:t>
-            </a:r>
-          </a:p>
-          <a:p>
-            <a:pPr marL="0" indent="0">
-              <a:buNone/>
-            </a:pPr>
-            <a:r>
-              <a:rPr lang="en-US" sz="1900" dirty="0">
-                <a:latin typeface="Consolas"/>
-                <a:cs typeface="Consolas"/>
-              </a:rPr>
-              <a:t>		</a:t>
-            </a:r>
-            <a:r>
-              <a:rPr lang="en-US" sz="1900" dirty="0" err="1">
-                <a:latin typeface="Consolas"/>
-                <a:cs typeface="Consolas"/>
-              </a:rPr>
-              <a:t>myMethod</a:t>
-            </a:r>
-            <a:r>
-              <a:rPr lang="en-US" sz="1900" dirty="0">
-                <a:latin typeface="Consolas"/>
-                <a:cs typeface="Consolas"/>
-              </a:rPr>
-              <a:t>(</a:t>
-            </a:r>
-            <a:r>
-              <a:rPr lang="en-US" sz="1900" dirty="0" err="1">
-                <a:latin typeface="Consolas"/>
-                <a:cs typeface="Consolas"/>
-              </a:rPr>
-              <a:t>i</a:t>
-            </a:r>
-            <a:r>
-              <a:rPr lang="en-US" sz="1900" dirty="0">
-                <a:latin typeface="Consolas"/>
-                <a:cs typeface="Consolas"/>
-              </a:rPr>
-              <a:t>);</a:t>
-            </a:r>
-          </a:p>
-          <a:p>
-            <a:pPr marL="0" indent="0">
-              <a:buNone/>
-            </a:pPr>
-            <a:r>
-              <a:rPr lang="en-US" sz="1900" dirty="0">
-                <a:latin typeface="Consolas"/>
-                <a:cs typeface="Consolas"/>
-              </a:rPr>
-              <a:t>    }</a:t>
-            </a:r>
-          </a:p>
-          <a:p>
-            <a:pPr marL="0" indent="0">
-              <a:buNone/>
-            </a:pPr>
-            <a:r>
-              <a:rPr lang="en-US" sz="1900" dirty="0">
+              <a:rPr lang="en-US" sz="2400" dirty="0">
                 <a:latin typeface="Consolas"/>
                 <a:cs typeface="Consolas"/>
               </a:rPr>
@@ -23694,7 +24214,7 @@
     </p:spTree>
     <p:extLst>
       <p:ext uri="{BB962C8B-B14F-4D97-AF65-F5344CB8AC3E}">
-        <p14:creationId xmlns:p14="http://schemas.microsoft.com/office/powerpoint/2010/main" val="599580908"/>
+        <p14:creationId xmlns:p14="http://schemas.microsoft.com/office/powerpoint/2010/main" val="2578958739"/>
       </p:ext>
     </p:extLst>
   </p:cSld>
@@ -23817,7 +24337,7 @@
           <a:p>
             <a:r>
               <a:rPr lang="en-US" sz="2800" dirty="0"/>
-              <a:t>Class is a better element of modularization than a procedure. But it is still </a:t>
+              <a:t>Class is a better element of modularization than a C function. But it is still </a:t>
             </a:r>
             <a:r>
               <a:rPr lang="en-US" sz="2800" dirty="0">
@@ -23975,7 +24495,9 @@
         </p:nvSpPr>
         <p:spPr/>
         <p:txBody>
-          <a:bodyPr/>
+          <a:bodyPr>
+            <a:normAutofit lnSpcReduction="10000"/>
+          </a:bodyPr>
           <a:lstStyle/>
           <a:p>
             <a:r>
@@ -24024,8 +24546,51 @@
           <a:p>
             <a:r>
               <a:rPr lang="en-US" dirty="0"/>
-              <a:t>It’s then possible to use same class names in different packages without name conflicts </a:t>
-            </a:r>
+              <a:t>It’s possible to use same class names in different packages without name conflicts </a:t>
+            </a:r>
+          </a:p>
+          <a:p>
+            <a:pPr lvl="1"/>
+            <a:r>
+              <a:rPr lang="en-US" dirty="0" err="1">
+                <a:solidFill>
+                  <a:schemeClr val="accent6">
+                    <a:lumMod val="75000"/>
+                  </a:schemeClr>
+                </a:solidFill>
+              </a:rPr>
+              <a:t>java.util.Date</a:t>
+            </a:r>
+            <a:endParaRPr lang="en-US" dirty="0">
+              <a:solidFill>
+                <a:schemeClr val="accent6">
+                  <a:lumMod val="75000"/>
+                </a:schemeClr>
+              </a:solidFill>
+            </a:endParaRPr>
+          </a:p>
+          <a:p>
+            <a:pPr lvl="1"/>
+            <a:r>
+              <a:rPr lang="en-US" dirty="0" err="1">
+                <a:solidFill>
+                  <a:schemeClr val="accent6">
+                    <a:lumMod val="75000"/>
+                  </a:schemeClr>
+                </a:solidFill>
+              </a:rPr>
+              <a:t>java.sql.Date</a:t>
+            </a:r>
+            <a:endParaRPr lang="en-US" dirty="0">
+              <a:solidFill>
+                <a:schemeClr val="accent6">
+                  <a:lumMod val="75000"/>
+                </a:schemeClr>
+              </a:solidFill>
+            </a:endParaRPr>
+          </a:p>
+          <a:p>
+            <a:endParaRPr lang="en-US" dirty="0"/>
           </a:p>
           <a:p>
             <a:endParaRPr lang="en-US" dirty="0"/>
@@ -24132,49 +24697,25 @@
             <a:pPr lvl="1"/>
             <a:r>
               <a:rPr lang="en-US" dirty="0" err="1"/>
-              <a:t>java.lang.String</a:t>
+              <a:t>java.lang</a:t>
             </a:r>
             <a:endParaRPr lang="en-US" dirty="0"/>
           </a:p>
           <a:p>
             <a:pPr lvl="1"/>
             <a:r>
-              <a:rPr lang="en-US" dirty="0" err="1">
-                <a:solidFill>
-                  <a:schemeClr val="accent6">
-                    <a:lumMod val="75000"/>
-                  </a:schemeClr>
-                </a:solidFill>
-              </a:rPr>
-              <a:t>java.util.Date</a:t>
-            </a:r>
-            <a:endParaRPr lang="en-US" dirty="0">
-              <a:solidFill>
-                <a:schemeClr val="accent6">
-                  <a:lumMod val="75000"/>
-                </a:schemeClr>
-              </a:solidFill>
-            </a:endParaRPr>
+              <a:rPr lang="en-US" dirty="0" err="1"/>
+              <a:t>java.util</a:t>
+            </a:r>
+            <a:endParaRPr lang="en-US" dirty="0"/>
           </a:p>
           <a:p>
             <a:pPr lvl="1"/>
             <a:r>
-              <a:rPr lang="en-US" dirty="0" err="1">
-                <a:solidFill>
-                  <a:schemeClr val="accent6">
-                    <a:lumMod val="75000"/>
-                  </a:schemeClr>
-                </a:solidFill>
-              </a:rPr>
-              <a:t>java.sql.Date</a:t>
-            </a:r>
-            <a:endParaRPr lang="en-US" dirty="0">
-              <a:solidFill>
-                <a:schemeClr val="accent6">
-                  <a:lumMod val="75000"/>
-                </a:schemeClr>
-              </a:solidFill>
-            </a:endParaRPr>
+              <a:rPr lang="en-US" dirty="0" err="1"/>
+              <a:t>java.sql</a:t>
+            </a:r>
+            <a:endParaRPr lang="en-US" dirty="0"/>
           </a:p>
           <a:p>
             <a:r>
@@ -24186,7 +24727,7 @@
             <a:pPr lvl="1"/>
             <a:r>
               <a:rPr lang="en-US" b="1" dirty="0" err="1"/>
-              <a:t>it.unimo.myPackage</a:t>
+              <a:t>it.unimore.mypackage</a:t>
             </a:r>
             <a:r>
               <a:rPr lang="en-US" b="1" dirty="0"/>
@@ -24625,7 +25166,7 @@
           <a:p>
             <a:r>
               <a:rPr lang="en-US" sz="2800" dirty="0"/>
-              <a:t>Referring to a method/class of a package </a:t>
+              <a:t>Refer to fully qualified names</a:t>
             </a:r>
           </a:p>
           <a:p>
@@ -24665,7 +25206,7 @@
                 <a:latin typeface="Consolas" panose="020B0609020204030204" pitchFamily="49" charset="0"/>
                 <a:cs typeface="Consolas" panose="020B0609020204030204" pitchFamily="49" charset="0"/>
               </a:rPr>
-              <a:t>myPackage.Console.readInt</a:t>
+              <a:t>mypackage.Console.readInt</a:t>
             </a:r>
             <a:r>
               <a:rPr lang="en-US" sz="2000" dirty="0">
@@ -24674,6 +25215,15 @@
               </a:rPr>
               <a:t>() </a:t>
             </a:r>
+          </a:p>
+          <a:p>
+            <a:pPr marL="0" indent="0">
+              <a:buNone/>
+            </a:pPr>
+            <a:endParaRPr lang="en-US" sz="2000" dirty="0">
+              <a:latin typeface="Consolas" panose="020B0609020204030204" pitchFamily="49" charset="0"/>
+              <a:cs typeface="Consolas" panose="020B0609020204030204" pitchFamily="49" charset="0"/>
+            </a:endParaRPr>
           </a:p>
           <a:p>
             <a:r>
